--- a/LAB4.pptx
+++ b/LAB4.pptx
@@ -7608,7 +7608,7 @@
         <p:spPr>
           <a:xfrm>
             <a:off x="352425" y="495300"/>
-            <a:ext cx="11489055" cy="5761355"/>
+            <a:ext cx="11489055" cy="1144905"/>
           </a:xfrm>
           <a:prstGeom prst="rect">
             <a:avLst/>
@@ -7822,6 +7822,35 @@
           </a:prstGeom>
         </p:spPr>
       </p:pic>
+      <p:sp>
+        <p:nvSpPr>
+          <p:cNvPr id="3" name="Text Box 2"/>
+          <p:cNvSpPr txBox="1"/>
+          <p:nvPr/>
+        </p:nvSpPr>
+        <p:spPr>
+          <a:xfrm>
+            <a:off x="6840855" y="6155055"/>
+            <a:ext cx="4064000" cy="368300"/>
+          </a:xfrm>
+          <a:prstGeom prst="rect">
+            <a:avLst/>
+          </a:prstGeom>
+          <a:noFill/>
+        </p:spPr>
+        <p:txBody>
+          <a:bodyPr wrap="square" rtlCol="0">
+            <a:spAutoFit/>
+          </a:bodyPr>
+          <a:p>
+            <a:r>
+              <a:rPr lang="en-AU" altLang="en-US"/>
+              <a:t>...</a:t>
+            </a:r>
+            <a:endParaRPr lang="en-AU" altLang="en-US"/>
+          </a:p>
+        </p:txBody>
+      </p:sp>
     </p:spTree>
   </p:cSld>
   <p:clrMapOvr>
@@ -8115,137 +8144,6 @@
           </a:prstGeom>
         </p:spPr>
       </p:pic>
-      <p:sp>
-        <p:nvSpPr>
-          <p:cNvPr id="5" name="Text Box 4"/>
-          <p:cNvSpPr txBox="1"/>
-          <p:nvPr/>
-        </p:nvSpPr>
-        <p:spPr>
-          <a:xfrm>
-            <a:off x="352425" y="495300"/>
-            <a:ext cx="11489055" cy="5761355"/>
-          </a:xfrm>
-          <a:prstGeom prst="rect">
-            <a:avLst/>
-          </a:prstGeom>
-          <a:noFill/>
-        </p:spPr>
-        <p:txBody>
-          <a:bodyPr wrap="square" rtlCol="0">
-            <a:noAutofit/>
-          </a:bodyPr>
-          <a:p>
-            <a:pPr lvl="1" indent="0">
-              <a:buFont typeface="Wingdings" panose="05000000000000000000" charset="0"/>
-              <a:buNone/>
-            </a:pPr>
-            <a:endParaRPr lang="en-US" altLang="en-US"/>
-          </a:p>
-          <a:p>
-            <a:pPr marL="285750" indent="-285750">
-              <a:buFont typeface="Wingdings" panose="05000000000000000000" charset="0"/>
-              <a:buChar char="q"/>
-            </a:pPr>
-            <a:endParaRPr lang="en-US" altLang="en-US"/>
-          </a:p>
-          <a:p>
-            <a:pPr marL="285750" indent="-285750">
-              <a:buFont typeface="Wingdings" panose="05000000000000000000" charset="0"/>
-              <a:buChar char="q"/>
-            </a:pPr>
-            <a:endParaRPr lang="en-US" altLang="en-US"/>
-          </a:p>
-          <a:p>
-            <a:pPr marL="285750" indent="-285750">
-              <a:buFont typeface="Wingdings" panose="05000000000000000000" charset="0"/>
-              <a:buChar char="q"/>
-            </a:pPr>
-            <a:endParaRPr lang="en-US" altLang="en-US"/>
-          </a:p>
-          <a:p>
-            <a:pPr marL="285750" indent="-285750">
-              <a:buFont typeface="Wingdings" panose="05000000000000000000" charset="0"/>
-              <a:buChar char="q"/>
-            </a:pPr>
-            <a:endParaRPr lang="en-US" altLang="en-US"/>
-          </a:p>
-          <a:p>
-            <a:pPr marL="285750" indent="-285750">
-              <a:buFont typeface="Wingdings" panose="05000000000000000000" charset="0"/>
-              <a:buChar char="q"/>
-            </a:pPr>
-            <a:endParaRPr lang="en-US" altLang="en-US"/>
-          </a:p>
-          <a:p>
-            <a:pPr marL="285750" indent="-285750">
-              <a:buFont typeface="Wingdings" panose="05000000000000000000" charset="0"/>
-              <a:buChar char="q"/>
-            </a:pPr>
-            <a:endParaRPr lang="en-US" altLang="en-US"/>
-          </a:p>
-          <a:p>
-            <a:pPr marL="285750" indent="-285750">
-              <a:buFont typeface="Wingdings" panose="05000000000000000000" charset="0"/>
-              <a:buChar char="q"/>
-            </a:pPr>
-            <a:endParaRPr lang="en-US" altLang="en-US"/>
-          </a:p>
-          <a:p>
-            <a:pPr marL="285750" indent="-285750">
-              <a:buFont typeface="Wingdings" panose="05000000000000000000" charset="0"/>
-              <a:buChar char="q"/>
-            </a:pPr>
-            <a:endParaRPr lang="en-US" altLang="en-US"/>
-          </a:p>
-          <a:p>
-            <a:pPr marL="285750" indent="-285750">
-              <a:buFont typeface="Wingdings" panose="05000000000000000000" charset="0"/>
-              <a:buChar char="q"/>
-            </a:pPr>
-            <a:endParaRPr lang="en-AU" altLang="en-US"/>
-          </a:p>
-          <a:p>
-            <a:pPr marL="285750" indent="-285750">
-              <a:buFont typeface="Wingdings" panose="05000000000000000000" charset="0"/>
-              <a:buChar char="q"/>
-            </a:pPr>
-            <a:endParaRPr lang="en-AU" altLang="en-US"/>
-          </a:p>
-          <a:p>
-            <a:pPr marL="285750" indent="-285750">
-              <a:buFont typeface="Wingdings" panose="05000000000000000000" charset="0"/>
-              <a:buChar char="q"/>
-            </a:pPr>
-            <a:endParaRPr lang="en-AU" altLang="en-US"/>
-          </a:p>
-          <a:p>
-            <a:pPr marL="285750" indent="-285750">
-              <a:buFont typeface="Wingdings" panose="05000000000000000000" charset="0"/>
-              <a:buChar char="q"/>
-            </a:pPr>
-            <a:endParaRPr lang="en-AU" altLang="en-US"/>
-          </a:p>
-          <a:p>
-            <a:pPr marL="3943350" lvl="8" indent="-285750">
-              <a:buFont typeface="Wingdings" panose="05000000000000000000" charset="0"/>
-              <a:buChar char="q"/>
-            </a:pPr>
-            <a:endParaRPr lang="en-AU" altLang="en-US"/>
-          </a:p>
-          <a:p>
-            <a:pPr lvl="8" indent="0">
-              <a:buFont typeface="Wingdings" panose="05000000000000000000" charset="0"/>
-              <a:buNone/>
-            </a:pPr>
-            <a:r>
-              <a:rPr lang="en-AU" altLang="en-US"/>
-              <a:t>                                                                                </a:t>
-            </a:r>
-            <a:endParaRPr lang="en-AU" altLang="en-US"/>
-          </a:p>
-        </p:txBody>
-      </p:sp>
       <p:pic>
         <p:nvPicPr>
           <p:cNvPr id="3" name="Picture 2"/>
@@ -8262,14 +8160,80 @@
         </p:blipFill>
         <p:spPr>
           <a:xfrm>
-            <a:off x="3117215" y="401955"/>
-            <a:ext cx="5363210" cy="6131560"/>
+            <a:off x="3295015" y="621665"/>
+            <a:ext cx="5185410" cy="5928360"/>
           </a:xfrm>
           <a:prstGeom prst="rect">
             <a:avLst/>
           </a:prstGeom>
         </p:spPr>
       </p:pic>
+      <p:sp>
+        <p:nvSpPr>
+          <p:cNvPr id="4" name="Text Box 3"/>
+          <p:cNvSpPr txBox="1"/>
+          <p:nvPr/>
+        </p:nvSpPr>
+        <p:spPr>
+          <a:xfrm>
+            <a:off x="3550285" y="313055"/>
+            <a:ext cx="4064000" cy="368300"/>
+          </a:xfrm>
+          <a:prstGeom prst="rect">
+            <a:avLst/>
+          </a:prstGeom>
+          <a:noFill/>
+        </p:spPr>
+        <p:txBody>
+          <a:bodyPr wrap="square" rtlCol="0">
+            <a:spAutoFit/>
+          </a:bodyPr>
+          <a:p>
+            <a:r>
+              <a:rPr lang="en-AU" altLang="en-US"/>
+              <a:t>...</a:t>
+            </a:r>
+            <a:endParaRPr lang="en-AU" altLang="en-US"/>
+          </a:p>
+        </p:txBody>
+      </p:sp>
+      <p:cxnSp>
+        <p:nvCxnSpPr>
+          <p:cNvPr id="6" name="Straight Arrow Connector 5"/>
+          <p:cNvCxnSpPr/>
+          <p:nvPr/>
+        </p:nvCxnSpPr>
+        <p:spPr>
+          <a:xfrm>
+            <a:off x="1354455" y="4775200"/>
+            <a:ext cx="2091055" cy="1176655"/>
+          </a:xfrm>
+          <a:prstGeom prst="straightConnector1">
+            <a:avLst/>
+          </a:prstGeom>
+          <a:ln w="31750" cap="rnd">
+            <a:solidFill>
+              <a:schemeClr val="accent1"/>
+            </a:solidFill>
+            <a:round/>
+            <a:tailEnd type="arrow" w="med" len="med"/>
+          </a:ln>
+        </p:spPr>
+        <p:style>
+          <a:lnRef idx="0">
+            <a:srgbClr val="FFFFFF"/>
+          </a:lnRef>
+          <a:fillRef idx="0">
+            <a:srgbClr val="FFFFFF"/>
+          </a:fillRef>
+          <a:effectRef idx="0">
+            <a:srgbClr val="FFFFFF"/>
+          </a:effectRef>
+          <a:fontRef idx="minor">
+            <a:schemeClr val="tx1"/>
+          </a:fontRef>
+        </p:style>
+      </p:cxnSp>
     </p:spTree>
   </p:cSld>
   <p:clrMapOvr>
